--- a/Documents/Presentations/S-Park.pptx
+++ b/Documents/Presentations/S-Park.pptx
@@ -3287,13 +3287,13 @@
         </p:nvSpPr>
         <p:spPr>
           <a:xfrm>
-            <a:off x="279400" y="237490"/>
-            <a:ext cx="11732895" cy="6299200"/>
+            <a:off x="37465" y="66675"/>
+            <a:ext cx="12206605" cy="6726555"/>
           </a:xfrm>
         </p:spPr>
         <p:txBody>
           <a:bodyPr>
-            <a:normAutofit/>
+            <a:normAutofit fontScale="90000" lnSpcReduction="10000"/>
           </a:bodyPr>
           <a:lstStyle/>
           <a:p>
@@ -3305,6 +3305,66 @@
             </a:pPr>
             <a:endParaRPr lang="en-IN" sz="1000" dirty="0">
               <a:effectLst/>
+            </a:endParaRPr>
+          </a:p>
+          <a:p>
+            <a:pPr marL="0" indent="0" algn="ctr">
+              <a:spcAft>
+                <a:spcPts val="0"/>
+              </a:spcAft>
+              <a:buNone/>
+            </a:pPr>
+            <a:r>
+              <a:rPr lang="en-IN" sz="3000" b="1" i="1" u="sng" dirty="0">
+                <a:ln/>
+                <a:solidFill>
+                  <a:schemeClr val="tx1"/>
+                </a:solidFill>
+                <a:effectLst>
+                  <a:outerShdw blurRad="38100" dist="19050" dir="2700000" algn="tl" rotWithShape="0">
+                    <a:schemeClr val="dk1">
+                      <a:alpha val="40000"/>
+                    </a:schemeClr>
+                  </a:outerShdw>
+                </a:effectLst>
+              </a:rPr>
+              <a:t>S-Park (Smart Parking System)</a:t>
+            </a:r>
+            <a:endParaRPr lang="en-IN" sz="1000" b="1" i="1" u="sng" dirty="0">
+              <a:effectLst/>
+            </a:endParaRPr>
+          </a:p>
+          <a:p>
+            <a:pPr marL="0" indent="0">
+              <a:spcAft>
+                <a:spcPts val="0"/>
+              </a:spcAft>
+              <a:buNone/>
+            </a:pPr>
+            <a:endParaRPr lang="en-IN" sz="2000" b="1" i="1" u="sng" dirty="0">
+              <a:gradFill>
+                <a:gsLst>
+                  <a:gs pos="0">
+                    <a:schemeClr val="accent5">
+                      <a:lumMod val="50000"/>
+                    </a:schemeClr>
+                  </a:gs>
+                  <a:gs pos="50000">
+                    <a:schemeClr val="accent5"/>
+                  </a:gs>
+                  <a:gs pos="100000">
+                    <a:schemeClr val="accent5">
+                      <a:lumMod val="60000"/>
+                      <a:lumOff val="40000"/>
+                    </a:schemeClr>
+                  </a:gs>
+                </a:gsLst>
+                <a:lin ang="5400000"/>
+              </a:gradFill>
+              <a:effectLst>
+                <a:reflection blurRad="6350" stA="53000" endA="300" endPos="35500" dir="5400000" sy="-90000" algn="bl" rotWithShape="0"/>
+              </a:effectLst>
+              <a:sym typeface="+mn-ea"/>
             </a:endParaRPr>
           </a:p>
           <a:p>
@@ -3352,26 +3412,38 @@
               <a:rPr lang="en-IN" sz="2000" dirty="0">
                 <a:sym typeface="+mn-ea"/>
               </a:rPr>
-              <a:t>Portal for Farmers to sell their produce at a </a:t>
+              <a:t>Develop an IoT enabled solution with Android application to give</a:t>
             </a:r>
             <a:r>
               <a:rPr lang="en-IN" sz="2000" b="1" dirty="0">
                 <a:sym typeface="+mn-ea"/>
               </a:rPr>
-              <a:t>better rate</a:t>
+              <a:t> real-time parking space </a:t>
             </a:r>
             <a:r>
               <a:rPr lang="en-IN" sz="2000" dirty="0">
                 <a:sym typeface="+mn-ea"/>
               </a:rPr>
-              <a:t>. </a:t>
+              <a:t>available  </a:t>
+            </a:r>
+            <a:r>
+              <a:rPr lang="en-IN" sz="2000" dirty="0">
+                <a:sym typeface="+mn-ea"/>
+              </a:rPr>
+              <a:t>on the Campus / City / Resident Societies .</a:t>
+            </a:r>
+            <a:r>
+              <a:rPr lang="en-IN" sz="2000" dirty="0">
+                <a:sym typeface="+mn-ea"/>
+              </a:rPr>
+              <a:t>                </a:t>
             </a:r>
             <a:endParaRPr lang="en-IN" sz="2000" dirty="0">
-              <a:effectLst/>
+              <a:sym typeface="+mn-ea"/>
             </a:endParaRPr>
           </a:p>
           <a:p>
-            <a:pPr marL="800100" indent="-342900">
+            <a:pPr>
               <a:spcAft>
                 <a:spcPts val="0"/>
               </a:spcAft>
@@ -3382,50 +3454,26 @@
               <a:rPr lang="en-IN" sz="2000" dirty="0">
                 <a:sym typeface="+mn-ea"/>
               </a:rPr>
-              <a:t>System that provides farmers an interface to  </a:t>
+              <a:t>The above mentioned will be applicable to those vehicles that have </a:t>
             </a:r>
             <a:r>
               <a:rPr lang="en-IN" sz="2000" b="1" dirty="0">
                 <a:sym typeface="+mn-ea"/>
               </a:rPr>
-              <a:t>sell </a:t>
+              <a:t>already registered </a:t>
             </a:r>
             <a:r>
               <a:rPr lang="en-IN" sz="2000" dirty="0">
                 <a:sym typeface="+mn-ea"/>
               </a:rPr>
-              <a:t>their product, and </a:t>
-            </a:r>
-            <a:r>
-              <a:rPr lang="en-IN" sz="2000" b="1" dirty="0">
-                <a:sym typeface="+mn-ea"/>
-              </a:rPr>
-              <a:t>connect </a:t>
-            </a:r>
-            <a:r>
-              <a:rPr lang="en-IN" sz="2000" dirty="0">
-                <a:sym typeface="+mn-ea"/>
-              </a:rPr>
-              <a:t>with the </a:t>
-            </a:r>
-            <a:r>
-              <a:rPr lang="en-IN" sz="2000" b="1" dirty="0">
-                <a:sym typeface="+mn-ea"/>
-              </a:rPr>
-              <a:t>buyers </a:t>
-            </a:r>
-            <a:r>
-              <a:rPr lang="en-IN" sz="2000" dirty="0">
-                <a:sym typeface="+mn-ea"/>
-              </a:rPr>
-              <a:t>all over India.</a:t>
+              <a:t>in to the system and used the navigating system. </a:t>
             </a:r>
             <a:endParaRPr lang="en-IN" sz="2000" dirty="0">
-              <a:effectLst/>
+              <a:sym typeface="+mn-ea"/>
             </a:endParaRPr>
           </a:p>
           <a:p>
-            <a:pPr marL="800100" indent="-342900">
+            <a:pPr>
               <a:spcAft>
                 <a:spcPts val="0"/>
               </a:spcAft>
@@ -3433,35 +3481,17 @@
               <a:buChar char="q"/>
             </a:pPr>
             <a:r>
-              <a:rPr lang="en-IN" sz="2000" b="1" dirty="0">
-                <a:sym typeface="+mn-ea"/>
-              </a:rPr>
-              <a:t>Simple interface</a:t>
-            </a:r>
-            <a:r>
               <a:rPr lang="en-IN" sz="2000" dirty="0">
                 <a:sym typeface="+mn-ea"/>
               </a:rPr>
-              <a:t> that works on smart devices, </a:t>
-            </a:r>
-            <a:r>
-              <a:rPr lang="en-IN" sz="2000" b="1" dirty="0">
-                <a:sym typeface="+mn-ea"/>
-              </a:rPr>
-              <a:t>SMS </a:t>
-            </a:r>
-            <a:r>
-              <a:rPr lang="en-IN" sz="2000" dirty="0">
-                <a:sym typeface="+mn-ea"/>
-              </a:rPr>
-              <a:t>to upload product details and respond via phone and SMS .</a:t>
+              <a:t>But we also need to consider those vehicles which have not registered and are manually finding parking space and heading towards the same parking slot. </a:t>
             </a:r>
             <a:endParaRPr lang="en-IN" sz="2000" dirty="0">
-              <a:effectLst/>
+              <a:sym typeface="+mn-ea"/>
             </a:endParaRPr>
           </a:p>
           <a:p>
-            <a:pPr marL="800100" indent="-342900">
+            <a:pPr>
               <a:spcAft>
                 <a:spcPts val="0"/>
               </a:spcAft>
@@ -3469,43 +3499,79 @@
               <a:buChar char="q"/>
             </a:pPr>
             <a:r>
+              <a:rPr lang="en-IN" sz="2000" dirty="0">
+                <a:sym typeface="+mn-ea"/>
+              </a:rPr>
+              <a:t>Develop a </a:t>
+            </a:r>
+            <a:r>
               <a:rPr lang="en-IN" sz="2000" b="1" dirty="0">
                 <a:sym typeface="+mn-ea"/>
               </a:rPr>
-              <a:t>Interface for anyone to buy the produce/vegetable </a:t>
+              <a:t>smart efficient application</a:t>
             </a:r>
             <a:r>
               <a:rPr lang="en-IN" sz="2000" dirty="0">
                 <a:sym typeface="+mn-ea"/>
               </a:rPr>
-              <a:t>– initially visit the place and buy or have </a:t>
+              <a:t> system to solve the problem related to </a:t>
             </a:r>
             <a:r>
               <a:rPr lang="en-IN" sz="2000" b="1" dirty="0">
                 <a:sym typeface="+mn-ea"/>
               </a:rPr>
-              <a:t>courier service integrated</a:t>
+              <a:t>real-time parking space</a:t>
             </a:r>
             <a:r>
               <a:rPr lang="en-IN" sz="2000" dirty="0">
                 <a:sym typeface="+mn-ea"/>
               </a:rPr>
-              <a:t> to deliver the vegetables so Farmers can get a better price for their produce, no additional cost is spent in marketing and delivery of goods, however they can choose to charge more by </a:t>
+              <a:t>. Whenever a person wants to find a parking space on the campus, he has already registered to the application using his user id and password. When he finds for the parking space, the server will send a response with the available parking details, real-time </a:t>
             </a:r>
             <a:r>
               <a:rPr lang="en-IN" sz="2000" b="1" dirty="0">
                 <a:sym typeface="+mn-ea"/>
               </a:rPr>
-              <a:t>delivering the items themselves</a:t>
+              <a:t>mapped directions and real-time parking space to allocate parking according to the size of the vehicle</a:t>
             </a:r>
             <a:r>
               <a:rPr lang="en-IN" sz="2000" dirty="0">
                 <a:sym typeface="+mn-ea"/>
               </a:rPr>
-              <a:t>.</a:t>
-            </a:r>
-            <a:endParaRPr lang="en-IN" dirty="0">
-              <a:effectLst/>
+              <a:t>. </a:t>
+            </a:r>
+            <a:endParaRPr lang="en-IN" sz="2000" dirty="0">
+              <a:sym typeface="+mn-ea"/>
+            </a:endParaRPr>
+          </a:p>
+          <a:p>
+            <a:pPr>
+              <a:spcAft>
+                <a:spcPts val="0"/>
+              </a:spcAft>
+              <a:buFont typeface="Wingdings" panose="05000000000000000000" charset="0"/>
+              <a:buChar char="q"/>
+            </a:pPr>
+            <a:r>
+              <a:rPr lang="en-IN" sz="2000" dirty="0">
+                <a:sym typeface="+mn-ea"/>
+              </a:rPr>
+              <a:t>The application would be smart enough to identify whether the car is heading towards the same parking space or If not, the application would </a:t>
+            </a:r>
+            <a:r>
+              <a:rPr lang="en-IN" sz="2000" b="1" dirty="0">
+                <a:sym typeface="+mn-ea"/>
+              </a:rPr>
+              <a:t>re-route</a:t>
+            </a:r>
+            <a:r>
+              <a:rPr lang="en-IN" sz="2000" dirty="0">
+                <a:sym typeface="+mn-ea"/>
+              </a:rPr>
+              <a:t> the same car to another nearest available parking space.</a:t>
+            </a:r>
+            <a:endParaRPr lang="en-IN" sz="2000" dirty="0">
+              <a:sym typeface="+mn-ea"/>
             </a:endParaRPr>
           </a:p>
           <a:p>
@@ -3570,7 +3636,53 @@
               <a:rPr lang="en-IN" sz="2000" dirty="0">
                 <a:sym typeface="+mn-ea"/>
               </a:rPr>
-              <a:t> Abhishek Gupta 	     </a:t>
+              <a:t> Abhishek Gupta </a:t>
+            </a:r>
+            <a:endParaRPr lang="en-IN" sz="2000" dirty="0">
+              <a:sym typeface="+mn-ea"/>
+            </a:endParaRPr>
+          </a:p>
+          <a:p>
+            <a:pPr marL="0" indent="0" algn="l">
+              <a:spcAft>
+                <a:spcPts val="0"/>
+              </a:spcAft>
+              <a:buNone/>
+            </a:pPr>
+            <a:r>
+              <a:rPr lang="en-IN" sz="2000" b="1" i="1" u="sng" dirty="0">
+                <a:ln/>
+                <a:gradFill>
+                  <a:gsLst>
+                    <a:gs pos="0">
+                      <a:schemeClr val="accent5">
+                        <a:lumMod val="50000"/>
+                      </a:schemeClr>
+                    </a:gs>
+                    <a:gs pos="50000">
+                      <a:schemeClr val="accent5"/>
+                    </a:gs>
+                    <a:gs pos="100000">
+                      <a:schemeClr val="accent5">
+                        <a:lumMod val="60000"/>
+                        <a:lumOff val="40000"/>
+                      </a:schemeClr>
+                    </a:gs>
+                  </a:gsLst>
+                  <a:lin ang="5400000"/>
+                </a:gradFill>
+                <a:effectLst>
+                  <a:reflection blurRad="6350" stA="53000" endA="300" endPos="35500" dir="5400000" sy="-90000" algn="bl" rotWithShape="0"/>
+                </a:effectLst>
+                <a:sym typeface="+mn-ea"/>
+              </a:rPr>
+              <a:t>TEAM CODE</a:t>
+            </a:r>
+            <a:r>
+              <a:rPr lang="en-IN" sz="2000" dirty="0">
+                <a:sym typeface="+mn-ea"/>
+              </a:rPr>
+              <a:t> : C17 	     </a:t>
             </a:r>
             <a:endParaRPr lang="en-IN" sz="2000" dirty="0">
               <a:sym typeface="+mn-ea"/>
@@ -3638,26 +3750,26 @@
               <a:buNone/>
             </a:pPr>
             <a:r>
-              <a:rPr lang="en-IN" b="1" dirty="0" smtClean="0"/>
+              <a:rPr lang="en-IN" sz="2600" b="1" dirty="0" smtClean="0"/>
               <a:t>S-Park is a smart parking system, with a pure vision to eliminate time wastage at parking spaces and increase the security factors.</a:t>
             </a:r>
             <a:r>
-              <a:rPr lang="en-US" b="1" dirty="0"/>
+              <a:rPr lang="en-US" sz="2600" b="1" dirty="0"/>
               <a:t> </a:t>
             </a:r>
             <a:r>
-              <a:rPr lang="en-US" b="1" dirty="0" smtClean="0"/>
+              <a:rPr lang="en-US" sz="2600" b="1" dirty="0" smtClean="0"/>
               <a:t>It helps in reducing human </a:t>
             </a:r>
             <a:r>
-              <a:rPr lang="en-US" b="1" dirty="0" err="1" smtClean="0"/>
+              <a:rPr lang="en-US" sz="2600" b="1" dirty="0" err="1" smtClean="0"/>
               <a:t>labour</a:t>
             </a:r>
             <a:r>
-              <a:rPr lang="en-US" b="1" dirty="0" smtClean="0"/>
+              <a:rPr lang="en-US" sz="2600" b="1" dirty="0" smtClean="0"/>
               <a:t>, fuel consumption and pollution ensuring the efficiency and reliability of the parking system. </a:t>
             </a:r>
-            <a:endParaRPr lang="en-IN" b="1" dirty="0" smtClean="0">
+            <a:endParaRPr lang="en-IN" sz="2600" b="1" dirty="0" smtClean="0">
               <a:sym typeface="+mn-ea"/>
             </a:endParaRPr>
           </a:p>
@@ -3809,7 +3921,6 @@
             <a:pPr algn="ctr"/>
             <a:r>
               <a:rPr lang="en-US" b="1" dirty="0" smtClean="0">
-                <a:ln/>
                 <a:solidFill>
                   <a:schemeClr val="tx1"/>
                 </a:solidFill>
@@ -3825,7 +3936,6 @@
             </a:r>
             <a:r>
               <a:rPr lang="en-IN" altLang="en-US" b="1" dirty="0" smtClean="0">
-                <a:ln/>
                 <a:solidFill>
                   <a:schemeClr val="tx1"/>
                 </a:solidFill>
@@ -3841,7 +3951,6 @@
             </a:r>
             <a:r>
               <a:rPr lang="en-US" b="1" dirty="0" smtClean="0">
-                <a:ln/>
                 <a:solidFill>
                   <a:schemeClr val="tx1"/>
                 </a:solidFill>
@@ -3857,7 +3966,6 @@
             </a:r>
             <a:r>
               <a:rPr lang="en-IN" altLang="en-US" b="1" dirty="0" smtClean="0">
-                <a:ln/>
                 <a:solidFill>
                   <a:schemeClr val="tx1"/>
                 </a:solidFill>
@@ -3872,7 +3980,6 @@
               <a:t>Collections</a:t>
             </a:r>
             <a:endParaRPr lang="en-IN" altLang="en-US" b="1" dirty="0" smtClean="0">
-              <a:ln/>
               <a:solidFill>
                 <a:schemeClr val="tx1"/>
               </a:solidFill>
@@ -3895,46 +4002,10 @@
               <a:buChar char="q"/>
             </a:pPr>
             <a:r>
-              <a:rPr lang="en-US" dirty="0" smtClean="0"/>
-              <a:t>At </a:t>
-            </a:r>
-            <a:r>
-              <a:rPr lang="en-US" dirty="0"/>
-              <a:t>the gate, the number plate </a:t>
-            </a:r>
-            <a:r>
               <a:rPr lang="en-IN" altLang="en-US" dirty="0"/>
-              <a:t>, vehicle type (Car , Bike , Truck ) </a:t>
-            </a:r>
-            <a:r>
-              <a:rPr lang="en-US" dirty="0"/>
-              <a:t>and the entry-exit time is saved to the </a:t>
-            </a:r>
-            <a:r>
-              <a:rPr lang="en-IN" altLang="en-US" dirty="0"/>
-              <a:t>cloud using </a:t>
-            </a:r>
-            <a:r>
-              <a:rPr lang="en-IN" altLang="en-US" b="1" dirty="0">
-                <a:sym typeface="+mn-ea"/>
-              </a:rPr>
-              <a:t>KNN algorithm</a:t>
-            </a:r>
-            <a:r>
-              <a:rPr lang="en-IN" altLang="en-US" dirty="0">
-                <a:sym typeface="+mn-ea"/>
-              </a:rPr>
-              <a:t> and </a:t>
-            </a:r>
-            <a:r>
-              <a:rPr lang="en-IN" altLang="en-US" b="1" dirty="0"/>
-              <a:t>Conventional Neural Networks</a:t>
-            </a:r>
-            <a:r>
-              <a:rPr lang="en-IN" altLang="en-US" dirty="0"/>
-              <a:t> </a:t>
-            </a:r>
-            <a:endParaRPr lang="en-US" dirty="0" smtClean="0"/>
+              <a:t>At the gate , when IR sensor gets activated the camera module will be triggered and that specific data will be fed into Processing layer .</a:t>
+            </a:r>
+            <a:endParaRPr lang="en-IN" altLang="en-US" dirty="0"/>
           </a:p>
           <a:p>
             <a:pPr marL="285750" indent="-285750">
@@ -3942,44 +4013,26 @@
               <a:buChar char="q"/>
             </a:pPr>
             <a:r>
-              <a:rPr lang="en-US" dirty="0" smtClean="0"/>
-              <a:t>At </a:t>
-            </a:r>
-            <a:r>
-              <a:rPr lang="en-US" dirty="0"/>
-              <a:t>the parking area</a:t>
-            </a:r>
-            <a:r>
-              <a:rPr lang="en-US" dirty="0" smtClean="0"/>
-              <a:t>, </a:t>
-            </a:r>
-            <a:r>
-              <a:rPr lang="en-US" dirty="0"/>
-              <a:t>which </a:t>
-            </a:r>
-            <a:r>
               <a:rPr lang="en-IN" altLang="en-US" dirty="0"/>
-              <a:t>vehicle </a:t>
-            </a:r>
-            <a:r>
-              <a:rPr lang="en-US" dirty="0"/>
-              <a:t>(number plate)  is parked in which slot is also saved to the </a:t>
-            </a:r>
-            <a:r>
-              <a:rPr lang="en-IN" altLang="en-US" dirty="0"/>
-              <a:t>cloud</a:t>
-            </a:r>
-            <a:r>
-              <a:rPr lang="en-US" dirty="0"/>
-              <a:t>.</a:t>
-            </a:r>
-            <a:endParaRPr lang="en-US" dirty="0"/>
+              <a:t>At the parking area the camera module will continously observe atleast 4 parking spaces and send the data to the processing layer.</a:t>
+            </a:r>
+            <a:endParaRPr lang="en-US" dirty="0" smtClean="0">
+              <a:sym typeface="+mn-ea"/>
+            </a:endParaRPr>
+          </a:p>
+          <a:p>
+            <a:pPr marL="285750" indent="-285750">
+              <a:buFont typeface="Wingdings" panose="05000000000000000000" pitchFamily="2" charset="2"/>
+              <a:buChar char="q"/>
+            </a:pPr>
+            <a:endParaRPr lang="en-US" dirty="0" smtClean="0">
+              <a:sym typeface="+mn-ea"/>
+            </a:endParaRPr>
           </a:p>
           <a:p>
             <a:pPr algn="ctr"/>
             <a:r>
-              <a:rPr lang="en-US" b="1" dirty="0" smtClean="0">
-                <a:ln/>
+              <a:rPr lang="en-IN" altLang="en-US" b="1" dirty="0" smtClean="0">
                 <a:solidFill>
                   <a:schemeClr val="tx1"/>
                 </a:solidFill>
@@ -3992,11 +4045,10 @@
                 </a:effectLst>
                 <a:sym typeface="+mn-ea"/>
               </a:rPr>
-              <a:t>D</a:t>
-            </a:r>
-            <a:r>
-              <a:rPr lang="en-IN" altLang="en-US" b="1" dirty="0" smtClean="0">
-                <a:ln/>
+              <a:t>Data </a:t>
+            </a:r>
+            <a:r>
+              <a:rPr lang="en-US" b="1" dirty="0" smtClean="0">
                 <a:solidFill>
                   <a:schemeClr val="tx1"/>
                 </a:solidFill>
@@ -4009,11 +4061,10 @@
                 </a:effectLst>
                 <a:sym typeface="+mn-ea"/>
               </a:rPr>
-              <a:t>ata</a:t>
-            </a:r>
-            <a:r>
-              <a:rPr lang="en-US" b="1" dirty="0" smtClean="0">
-                <a:ln/>
+              <a:t>P</a:t>
+            </a:r>
+            <a:r>
+              <a:rPr lang="en-IN" altLang="en-US" b="1" dirty="0" smtClean="0">
                 <a:solidFill>
                   <a:schemeClr val="tx1"/>
                 </a:solidFill>
@@ -4026,11 +4077,153 @@
                 </a:effectLst>
                 <a:sym typeface="+mn-ea"/>
               </a:rPr>
-              <a:t> L</a:t>
-            </a:r>
+              <a:t>rocessing</a:t>
+            </a:r>
+            <a:endParaRPr lang="en-IN" altLang="en-US" b="1" dirty="0" smtClean="0">
+              <a:solidFill>
+                <a:schemeClr val="tx1"/>
+              </a:solidFill>
+              <a:effectLst>
+                <a:outerShdw blurRad="38100" dist="19050" dir="2700000" algn="tl" rotWithShape="0">
+                  <a:schemeClr val="dk1">
+                    <a:alpha val="40000"/>
+                  </a:schemeClr>
+                </a:outerShdw>
+              </a:effectLst>
+              <a:sym typeface="+mn-ea"/>
+            </a:endParaRPr>
+          </a:p>
+          <a:p>
+            <a:pPr algn="ctr"/>
+            <a:endParaRPr lang="en-US" b="1" dirty="0" smtClean="0"/>
+          </a:p>
+          <a:p>
+            <a:pPr marL="285750" indent="-285750">
+              <a:buFont typeface="Wingdings" panose="05000000000000000000" pitchFamily="2" charset="2"/>
+              <a:buChar char="q"/>
+            </a:pPr>
+            <a:r>
+              <a:rPr lang="en-US" dirty="0" smtClean="0">
+                <a:sym typeface="+mn-ea"/>
+              </a:rPr>
+              <a:t>At </a:t>
+            </a:r>
+            <a:r>
+              <a:rPr lang="en-US" dirty="0">
+                <a:sym typeface="+mn-ea"/>
+              </a:rPr>
+              <a:t>the gate, the number plate </a:t>
+            </a:r>
+            <a:r>
+              <a:rPr lang="en-IN" altLang="en-US" dirty="0">
+                <a:sym typeface="+mn-ea"/>
+              </a:rPr>
+              <a:t>, vehicle type (Car , Bike , Truck ) </a:t>
+            </a:r>
+            <a:r>
+              <a:rPr lang="en-US" dirty="0">
+                <a:sym typeface="+mn-ea"/>
+              </a:rPr>
+              <a:t>and the entry-exit time is saved to the </a:t>
+            </a:r>
+            <a:r>
+              <a:rPr lang="en-IN" altLang="en-US" dirty="0">
+                <a:sym typeface="+mn-ea"/>
+              </a:rPr>
+              <a:t>cloud using </a:t>
+            </a:r>
+            <a:r>
+              <a:rPr lang="en-IN" altLang="en-US" b="1" dirty="0">
+                <a:sym typeface="+mn-ea"/>
+              </a:rPr>
+              <a:t>KNN algorithm</a:t>
+            </a:r>
+            <a:r>
+              <a:rPr lang="en-IN" altLang="en-US" dirty="0">
+                <a:sym typeface="+mn-ea"/>
+              </a:rPr>
+              <a:t> and </a:t>
+            </a:r>
+            <a:r>
+              <a:rPr lang="en-IN" altLang="en-US" b="1" dirty="0">
+                <a:sym typeface="+mn-ea"/>
+              </a:rPr>
+              <a:t>Conventional Neural Networks</a:t>
+            </a:r>
+            <a:r>
+              <a:rPr lang="en-IN" altLang="en-US" dirty="0">
+                <a:sym typeface="+mn-ea"/>
+              </a:rPr>
+              <a:t> .</a:t>
+            </a:r>
+            <a:endParaRPr lang="en-US" dirty="0" smtClean="0">
+              <a:sym typeface="+mn-ea"/>
+            </a:endParaRPr>
+          </a:p>
+          <a:p>
+            <a:pPr marL="285750" indent="-285750">
+              <a:buFont typeface="Wingdings" panose="05000000000000000000" pitchFamily="2" charset="2"/>
+              <a:buChar char="q"/>
+            </a:pPr>
+            <a:r>
+              <a:rPr lang="en-US" dirty="0" smtClean="0">
+                <a:sym typeface="+mn-ea"/>
+              </a:rPr>
+              <a:t>At </a:t>
+            </a:r>
+            <a:r>
+              <a:rPr lang="en-US" dirty="0">
+                <a:sym typeface="+mn-ea"/>
+              </a:rPr>
+              <a:t>the parking area</a:t>
+            </a:r>
+            <a:r>
+              <a:rPr lang="en-US" dirty="0" smtClean="0">
+                <a:sym typeface="+mn-ea"/>
+              </a:rPr>
+              <a:t>, </a:t>
+            </a:r>
+            <a:r>
+              <a:rPr lang="en-US" dirty="0">
+                <a:sym typeface="+mn-ea"/>
+              </a:rPr>
+              <a:t>which </a:t>
+            </a:r>
+            <a:r>
+              <a:rPr lang="en-IN" altLang="en-US" dirty="0">
+                <a:sym typeface="+mn-ea"/>
+              </a:rPr>
+              <a:t>vehicle </a:t>
+            </a:r>
+            <a:r>
+              <a:rPr lang="en-US" dirty="0">
+                <a:sym typeface="+mn-ea"/>
+              </a:rPr>
+              <a:t>(number plate)  is parked in which slot is </a:t>
+            </a:r>
+            <a:r>
+              <a:rPr lang="en-IN" altLang="en-US" dirty="0">
+                <a:sym typeface="+mn-ea"/>
+              </a:rPr>
+              <a:t>detected using vehicle classifier  and the image of it is passed to number plate detection module.</a:t>
+            </a:r>
+            <a:endParaRPr lang="en-US" dirty="0" smtClean="0">
+              <a:sym typeface="+mn-ea"/>
+            </a:endParaRPr>
+          </a:p>
+          <a:p>
+            <a:pPr indent="0" algn="ctr">
+              <a:buFont typeface="Wingdings" panose="05000000000000000000" pitchFamily="2" charset="2"/>
+              <a:buNone/>
+            </a:pPr>
+            <a:endParaRPr lang="en-IN" altLang="en-US" dirty="0" smtClean="0">
+              <a:sym typeface="+mn-ea"/>
+            </a:endParaRPr>
+          </a:p>
+          <a:p>
+            <a:pPr algn="ctr"/>
             <a:r>
               <a:rPr lang="en-IN" altLang="en-US" b="1" dirty="0" smtClean="0">
-                <a:ln/>
                 <a:solidFill>
                   <a:schemeClr val="tx1"/>
                 </a:solidFill>
@@ -4043,11 +4236,10 @@
                 </a:effectLst>
                 <a:sym typeface="+mn-ea"/>
               </a:rPr>
-              <a:t>ocal</a:t>
+              <a:t>Data </a:t>
             </a:r>
             <a:r>
               <a:rPr lang="en-US" b="1" dirty="0" smtClean="0">
-                <a:ln/>
                 <a:solidFill>
                   <a:schemeClr val="tx1"/>
                 </a:solidFill>
@@ -4060,11 +4252,10 @@
                 </a:effectLst>
                 <a:sym typeface="+mn-ea"/>
               </a:rPr>
-              <a:t> S</a:t>
+              <a:t>C</a:t>
             </a:r>
             <a:r>
               <a:rPr lang="en-IN" altLang="en-US" b="1" dirty="0" smtClean="0">
-                <a:ln/>
                 <a:solidFill>
                   <a:schemeClr val="tx1"/>
                 </a:solidFill>
@@ -4077,52 +4268,10 @@
                 </a:effectLst>
                 <a:sym typeface="+mn-ea"/>
               </a:rPr>
-              <a:t>torage</a:t>
-            </a:r>
-            <a:endParaRPr lang="en-US" b="1" dirty="0" smtClean="0"/>
-          </a:p>
-          <a:p>
-            <a:pPr marL="285750" indent="-285750">
-              <a:buFont typeface="Wingdings" panose="05000000000000000000" pitchFamily="2" charset="2"/>
-              <a:buChar char="q"/>
-            </a:pPr>
-            <a:r>
-              <a:rPr lang="en-US" dirty="0" smtClean="0">
-                <a:sym typeface="+mn-ea"/>
-              </a:rPr>
-              <a:t>The images taken by the camera will be locally stored in the raspberry pi. </a:t>
-            </a:r>
-            <a:endParaRPr lang="en-US" dirty="0" smtClean="0"/>
-          </a:p>
-          <a:p>
-            <a:pPr marL="285750" indent="-285750">
-              <a:buFont typeface="Wingdings" panose="05000000000000000000" pitchFamily="2" charset="2"/>
-              <a:buChar char="q"/>
-            </a:pPr>
-            <a:r>
-              <a:rPr lang="en-US" dirty="0" smtClean="0">
-                <a:sym typeface="+mn-ea"/>
-              </a:rPr>
-              <a:t>Once the data is processed, the raspberry will automatically free the data.</a:t>
-            </a:r>
-            <a:endParaRPr lang="en-US" dirty="0" smtClean="0">
-              <a:sym typeface="+mn-ea"/>
-            </a:endParaRPr>
-          </a:p>
-          <a:p>
-            <a:pPr marL="285750" indent="-285750">
-              <a:buFont typeface="Wingdings" panose="05000000000000000000" pitchFamily="2" charset="2"/>
-              <a:buChar char="q"/>
-            </a:pPr>
-            <a:endParaRPr lang="en-US" dirty="0" smtClean="0">
-              <a:sym typeface="+mn-ea"/>
-            </a:endParaRPr>
-          </a:p>
-          <a:p>
-            <a:pPr algn="ctr"/>
-            <a:r>
-              <a:rPr lang="en-IN" altLang="en-US" b="1" dirty="0" smtClean="0">
-                <a:ln/>
+              <a:t>loud</a:t>
+            </a:r>
+            <a:r>
+              <a:rPr lang="en-US" b="1" dirty="0" smtClean="0">
                 <a:solidFill>
                   <a:schemeClr val="tx1"/>
                 </a:solidFill>
@@ -4135,11 +4284,10 @@
                 </a:effectLst>
                 <a:sym typeface="+mn-ea"/>
               </a:rPr>
-              <a:t>Data </a:t>
-            </a:r>
-            <a:r>
-              <a:rPr lang="en-US" b="1" dirty="0" smtClean="0">
-                <a:ln/>
+              <a:t> S</a:t>
+            </a:r>
+            <a:r>
+              <a:rPr lang="en-IN" altLang="en-US" b="1" dirty="0" smtClean="0">
                 <a:solidFill>
                   <a:schemeClr val="tx1"/>
                 </a:solidFill>
@@ -4152,24 +4300,7 @@
                 </a:effectLst>
                 <a:sym typeface="+mn-ea"/>
               </a:rPr>
-              <a:t>P</a:t>
-            </a:r>
-            <a:r>
-              <a:rPr lang="en-IN" altLang="en-US" b="1" dirty="0" smtClean="0">
-                <a:ln/>
-                <a:solidFill>
-                  <a:schemeClr val="tx1"/>
-                </a:solidFill>
-                <a:effectLst>
-                  <a:outerShdw blurRad="38100" dist="19050" dir="2700000" algn="tl" rotWithShape="0">
-                    <a:schemeClr val="dk1">
-                      <a:alpha val="40000"/>
-                    </a:schemeClr>
-                  </a:outerShdw>
-                </a:effectLst>
-                <a:sym typeface="+mn-ea"/>
-              </a:rPr>
-              <a:t>rocessing</a:t>
+              <a:t>torage</a:t>
             </a:r>
             <a:endParaRPr lang="en-US" b="1" dirty="0" smtClean="0"/>
           </a:p>
@@ -4178,13 +4309,9 @@
               <a:buFont typeface="Wingdings" panose="05000000000000000000" pitchFamily="2" charset="2"/>
               <a:buChar char="q"/>
             </a:pPr>
-            <a:r>
-              <a:rPr lang="en-US" dirty="0" smtClean="0">
-                <a:sym typeface="+mn-ea"/>
-              </a:rPr>
-              <a:t>The number plate detection, motion detection, entry-exit time detection will take place. </a:t>
-            </a:r>
-            <a:endParaRPr lang="en-US" dirty="0" smtClean="0"/>
+            <a:endParaRPr lang="en-IN" altLang="en-US" dirty="0" smtClean="0">
+              <a:sym typeface="+mn-ea"/>
+            </a:endParaRPr>
           </a:p>
           <a:p>
             <a:pPr marL="285750" indent="-285750">
@@ -4192,129 +4319,16 @@
               <a:buChar char="q"/>
             </a:pPr>
             <a:r>
-              <a:rPr lang="en-US" dirty="0" smtClean="0">
-                <a:sym typeface="+mn-ea"/>
-              </a:rPr>
-              <a:t>The output of the processed data will be stored in the cloud. </a:t>
+              <a:rPr lang="en-IN" altLang="en-US" dirty="0" smtClean="0">
+                <a:sym typeface="+mn-ea"/>
+              </a:rPr>
+              <a:t>The Output of data processing layer is saved into cloud that is vehicle type , entry-exit time , number plate , slot occupied and payment details . </a:t>
             </a:r>
             <a:endParaRPr lang="en-US" dirty="0" smtClean="0">
               <a:sym typeface="+mn-ea"/>
             </a:endParaRPr>
           </a:p>
           <a:p>
-            <a:pPr indent="0" algn="ctr">
-              <a:buFont typeface="Wingdings" panose="05000000000000000000" pitchFamily="2" charset="2"/>
-              <a:buNone/>
-            </a:pPr>
-            <a:endParaRPr lang="en-IN" altLang="en-US" dirty="0" smtClean="0">
-              <a:sym typeface="+mn-ea"/>
-            </a:endParaRPr>
-          </a:p>
-          <a:p>
-            <a:pPr algn="ctr"/>
-            <a:r>
-              <a:rPr lang="en-IN" altLang="en-US" b="1" dirty="0" smtClean="0">
-                <a:ln/>
-                <a:solidFill>
-                  <a:schemeClr val="tx1"/>
-                </a:solidFill>
-                <a:effectLst>
-                  <a:outerShdw blurRad="38100" dist="19050" dir="2700000" algn="tl" rotWithShape="0">
-                    <a:schemeClr val="dk1">
-                      <a:alpha val="40000"/>
-                    </a:schemeClr>
-                  </a:outerShdw>
-                </a:effectLst>
-                <a:sym typeface="+mn-ea"/>
-              </a:rPr>
-              <a:t>Data </a:t>
-            </a:r>
-            <a:r>
-              <a:rPr lang="en-US" b="1" dirty="0" smtClean="0">
-                <a:ln/>
-                <a:solidFill>
-                  <a:schemeClr val="tx1"/>
-                </a:solidFill>
-                <a:effectLst>
-                  <a:outerShdw blurRad="38100" dist="19050" dir="2700000" algn="tl" rotWithShape="0">
-                    <a:schemeClr val="dk1">
-                      <a:alpha val="40000"/>
-                    </a:schemeClr>
-                  </a:outerShdw>
-                </a:effectLst>
-                <a:sym typeface="+mn-ea"/>
-              </a:rPr>
-              <a:t>C</a:t>
-            </a:r>
-            <a:r>
-              <a:rPr lang="en-IN" altLang="en-US" b="1" dirty="0" smtClean="0">
-                <a:ln/>
-                <a:solidFill>
-                  <a:schemeClr val="tx1"/>
-                </a:solidFill>
-                <a:effectLst>
-                  <a:outerShdw blurRad="38100" dist="19050" dir="2700000" algn="tl" rotWithShape="0">
-                    <a:schemeClr val="dk1">
-                      <a:alpha val="40000"/>
-                    </a:schemeClr>
-                  </a:outerShdw>
-                </a:effectLst>
-                <a:sym typeface="+mn-ea"/>
-              </a:rPr>
-              <a:t>loud</a:t>
-            </a:r>
-            <a:r>
-              <a:rPr lang="en-US" b="1" dirty="0" smtClean="0">
-                <a:ln/>
-                <a:solidFill>
-                  <a:schemeClr val="tx1"/>
-                </a:solidFill>
-                <a:effectLst>
-                  <a:outerShdw blurRad="38100" dist="19050" dir="2700000" algn="tl" rotWithShape="0">
-                    <a:schemeClr val="dk1">
-                      <a:alpha val="40000"/>
-                    </a:schemeClr>
-                  </a:outerShdw>
-                </a:effectLst>
-                <a:sym typeface="+mn-ea"/>
-              </a:rPr>
-              <a:t> S</a:t>
-            </a:r>
-            <a:r>
-              <a:rPr lang="en-IN" altLang="en-US" b="1" dirty="0" smtClean="0">
-                <a:ln/>
-                <a:solidFill>
-                  <a:schemeClr val="tx1"/>
-                </a:solidFill>
-                <a:effectLst>
-                  <a:outerShdw blurRad="38100" dist="19050" dir="2700000" algn="tl" rotWithShape="0">
-                    <a:schemeClr val="dk1">
-                      <a:alpha val="40000"/>
-                    </a:schemeClr>
-                  </a:outerShdw>
-                </a:effectLst>
-                <a:sym typeface="+mn-ea"/>
-              </a:rPr>
-              <a:t>torage</a:t>
-            </a:r>
-            <a:endParaRPr lang="en-US" b="1" dirty="0" smtClean="0"/>
-          </a:p>
-          <a:p>
-            <a:pPr marL="285750" indent="-285750">
-              <a:buFont typeface="Wingdings" panose="05000000000000000000" pitchFamily="2" charset="2"/>
-              <a:buChar char="q"/>
-            </a:pPr>
-            <a:r>
-              <a:rPr lang="en-US" dirty="0" smtClean="0">
-                <a:sym typeface="+mn-ea"/>
-              </a:rPr>
-              <a:t>The filtered output will be stored in the cloud. The data required for the android app and the website that has to be shown to the user, will be retrieved from the cloud</a:t>
-            </a:r>
-            <a:endParaRPr lang="en-US" dirty="0" smtClean="0">
-              <a:sym typeface="+mn-ea"/>
-            </a:endParaRPr>
-          </a:p>
-          <a:p>
             <a:pPr indent="0">
               <a:buFont typeface="Wingdings" panose="05000000000000000000" pitchFamily="2" charset="2"/>
               <a:buNone/>
@@ -4325,7 +4339,7 @@
       </p:sp>
       <p:pic>
         <p:nvPicPr>
-          <p:cNvPr id="10" name="Content Placeholder 9" descr="FlowChart"/>
+          <p:cNvPr id="10" name="Content Placeholder 9" descr="D:\IT\Hackathon\S-Park\Documents\Images\FlowChart.pngFlowChart"/>
           <p:cNvPicPr>
             <a:picLocks noChangeAspect="1"/>
           </p:cNvPicPr>
@@ -4335,14 +4349,15 @@
         </p:nvPicPr>
         <p:blipFill>
           <a:blip r:embed="rId1"/>
+          <a:srcRect l="8985" r="8985"/>
           <a:stretch>
             <a:fillRect/>
           </a:stretch>
         </p:blipFill>
         <p:spPr>
           <a:xfrm>
-            <a:off x="7704455" y="601345"/>
-            <a:ext cx="2159635" cy="5936615"/>
+            <a:off x="7891780" y="609600"/>
+            <a:ext cx="1831340" cy="5936615"/>
           </a:xfrm>
           <a:prstGeom prst="rect">
             <a:avLst/>
@@ -4384,84 +4399,6 @@
         <p:spPr>
           <a:xfrm>
             <a:off x="7818120" y="300355"/>
-            <a:ext cx="1904365" cy="383540"/>
-          </a:xfrm>
-          <a:prstGeom prst="rect">
-            <a:avLst/>
-          </a:prstGeom>
-          <a:noFill/>
-        </p:spPr>
-        <p:txBody>
-          <a:bodyPr wrap="square" rtlCol="0">
-            <a:spAutoFit/>
-          </a:bodyPr>
-          <a:p>
-            <a:pPr algn="ctr"/>
-            <a:r>
-              <a:rPr lang="en-IN" altLang="en-US" sz="1900" b="1" i="1" u="sng">
-                <a:ln/>
-                <a:gradFill>
-                  <a:gsLst>
-                    <a:gs pos="0">
-                      <a:schemeClr val="accent5">
-                        <a:lumMod val="50000"/>
-                      </a:schemeClr>
-                    </a:gs>
-                    <a:gs pos="50000">
-                      <a:schemeClr val="accent5"/>
-                    </a:gs>
-                    <a:gs pos="100000">
-                      <a:schemeClr val="accent5">
-                        <a:lumMod val="60000"/>
-                        <a:lumOff val="40000"/>
-                      </a:schemeClr>
-                    </a:gs>
-                  </a:gsLst>
-                  <a:lin ang="5400000"/>
-                </a:gradFill>
-                <a:effectLst>
-                  <a:reflection blurRad="6350" stA="53000" endA="300" endPos="35500" dir="5400000" sy="-90000" algn="bl" rotWithShape="0"/>
-                </a:effectLst>
-              </a:rPr>
-              <a:t>Prototye Flow</a:t>
-            </a:r>
-            <a:endParaRPr lang="en-IN" altLang="en-US" sz="1900" b="1" i="1" u="sng">
-              <a:ln/>
-              <a:gradFill>
-                <a:gsLst>
-                  <a:gs pos="0">
-                    <a:schemeClr val="accent5">
-                      <a:lumMod val="50000"/>
-                    </a:schemeClr>
-                  </a:gs>
-                  <a:gs pos="50000">
-                    <a:schemeClr val="accent5"/>
-                  </a:gs>
-                  <a:gs pos="100000">
-                    <a:schemeClr val="accent5">
-                      <a:lumMod val="60000"/>
-                      <a:lumOff val="40000"/>
-                    </a:schemeClr>
-                  </a:gs>
-                </a:gsLst>
-                <a:lin ang="5400000"/>
-              </a:gradFill>
-              <a:effectLst>
-                <a:reflection blurRad="6350" stA="53000" endA="300" endPos="35500" dir="5400000" sy="-90000" algn="bl" rotWithShape="0"/>
-              </a:effectLst>
-            </a:endParaRPr>
-          </a:p>
-        </p:txBody>
-      </p:sp>
-      <p:sp>
-        <p:nvSpPr>
-          <p:cNvPr id="6" name="Text Box 5"/>
-          <p:cNvSpPr txBox="1"/>
-          <p:nvPr/>
-        </p:nvSpPr>
-        <p:spPr>
-          <a:xfrm>
-            <a:off x="9964420" y="300355"/>
             <a:ext cx="1904365" cy="383540"/>
           </a:xfrm>
           <a:prstGeom prst="rect">
@@ -4500,7 +4437,7 @@
                   <a:reflection blurRad="6350" stA="53000" endA="300" endPos="35500" dir="5400000" sy="-90000" algn="bl" rotWithShape="0"/>
                 </a:effectLst>
               </a:rPr>
-              <a:t>System Flow</a:t>
+              <a:t>Prototye Flow</a:t>
             </a:r>
             <a:endParaRPr lang="en-IN" altLang="en-US" sz="1900" b="1" i="1" u="sng">
               <a:gradFill>
@@ -4529,6 +4466,82 @@
           </a:p>
         </p:txBody>
       </p:sp>
+      <p:sp>
+        <p:nvSpPr>
+          <p:cNvPr id="6" name="Text Box 5"/>
+          <p:cNvSpPr txBox="1"/>
+          <p:nvPr/>
+        </p:nvSpPr>
+        <p:spPr>
+          <a:xfrm>
+            <a:off x="9964420" y="300355"/>
+            <a:ext cx="1904365" cy="383540"/>
+          </a:xfrm>
+          <a:prstGeom prst="rect">
+            <a:avLst/>
+          </a:prstGeom>
+          <a:noFill/>
+        </p:spPr>
+        <p:txBody>
+          <a:bodyPr wrap="square" rtlCol="0">
+            <a:spAutoFit/>
+          </a:bodyPr>
+          <a:p>
+            <a:pPr algn="ctr"/>
+            <a:r>
+              <a:rPr lang="en-IN" altLang="en-US" sz="1900" b="1" i="1" u="sng">
+                <a:gradFill>
+                  <a:gsLst>
+                    <a:gs pos="0">
+                      <a:schemeClr val="accent5">
+                        <a:lumMod val="50000"/>
+                      </a:schemeClr>
+                    </a:gs>
+                    <a:gs pos="50000">
+                      <a:schemeClr val="accent5"/>
+                    </a:gs>
+                    <a:gs pos="100000">
+                      <a:schemeClr val="accent5">
+                        <a:lumMod val="60000"/>
+                        <a:lumOff val="40000"/>
+                      </a:schemeClr>
+                    </a:gs>
+                  </a:gsLst>
+                  <a:lin ang="5400000"/>
+                </a:gradFill>
+                <a:effectLst>
+                  <a:reflection blurRad="6350" stA="53000" endA="300" endPos="35500" dir="5400000" sy="-90000" algn="bl" rotWithShape="0"/>
+                </a:effectLst>
+              </a:rPr>
+              <a:t>System Flow</a:t>
+            </a:r>
+            <a:endParaRPr lang="en-IN" altLang="en-US" sz="1900" b="1" i="1" u="sng">
+              <a:gradFill>
+                <a:gsLst>
+                  <a:gs pos="0">
+                    <a:schemeClr val="accent5">
+                      <a:lumMod val="50000"/>
+                    </a:schemeClr>
+                  </a:gs>
+                  <a:gs pos="50000">
+                    <a:schemeClr val="accent5"/>
+                  </a:gs>
+                  <a:gs pos="100000">
+                    <a:schemeClr val="accent5">
+                      <a:lumMod val="60000"/>
+                      <a:lumOff val="40000"/>
+                    </a:schemeClr>
+                  </a:gs>
+                </a:gsLst>
+                <a:lin ang="5400000"/>
+              </a:gradFill>
+              <a:effectLst>
+                <a:reflection blurRad="6350" stA="53000" endA="300" endPos="35500" dir="5400000" sy="-90000" algn="bl" rotWithShape="0"/>
+              </a:effectLst>
+            </a:endParaRPr>
+          </a:p>
+        </p:txBody>
+      </p:sp>
     </p:spTree>
   </p:cSld>
   <p:clrMapOvr>
@@ -4571,7 +4584,6 @@
             <a:pPr algn="ctr"/>
             <a:r>
               <a:rPr lang="en-US" b="1" dirty="0" smtClean="0">
-                <a:ln/>
                 <a:solidFill>
                   <a:schemeClr val="tx1"/>
                 </a:solidFill>
@@ -4588,7 +4600,6 @@
             </a:r>
             <a:r>
               <a:rPr lang="en-IN" altLang="en-US" b="1" dirty="0" smtClean="0">
-                <a:ln/>
                 <a:solidFill>
                   <a:schemeClr val="tx1"/>
                 </a:solidFill>
@@ -4605,7 +4616,6 @@
             </a:r>
             <a:r>
               <a:rPr lang="en-US" b="1" dirty="0" smtClean="0">
-                <a:ln/>
                 <a:solidFill>
                   <a:schemeClr val="tx1"/>
                 </a:solidFill>
@@ -4622,7 +4632,6 @@
             </a:r>
             <a:r>
               <a:rPr lang="en-IN" altLang="en-US" b="1" dirty="0" smtClean="0">
-                <a:ln/>
                 <a:solidFill>
                   <a:schemeClr val="tx1"/>
                 </a:solidFill>
@@ -4639,7 +4648,6 @@
             </a:r>
             <a:r>
               <a:rPr lang="en-US" b="1" dirty="0" smtClean="0">
-                <a:ln/>
                 <a:solidFill>
                   <a:schemeClr val="tx1"/>
                 </a:solidFill>
@@ -4656,7 +4664,6 @@
             </a:r>
             <a:r>
               <a:rPr lang="en-IN" altLang="en-US" b="1" dirty="0" smtClean="0">
-                <a:ln/>
                 <a:solidFill>
                   <a:schemeClr val="tx1"/>
                 </a:solidFill>
@@ -4714,7 +4721,7 @@
               <a:rPr lang="en-IN" altLang="en-US" dirty="0" smtClean="0">
                 <a:sym typeface="+mn-ea"/>
               </a:rPr>
-              <a:t>and parking slot</a:t>
+              <a:t>and parking slot .</a:t>
             </a:r>
             <a:endParaRPr lang="en-US" dirty="0" smtClean="0">
               <a:sym typeface="+mn-ea"/>
@@ -4729,23 +4736,23 @@
               <a:rPr lang="en-IN" altLang="en-US" dirty="0" smtClean="0">
                 <a:sym typeface="+mn-ea"/>
               </a:rPr>
-              <a:t>The user will, </a:t>
+              <a:t>The user will be </a:t>
             </a:r>
             <a:r>
               <a:rPr lang="en-IN" altLang="en-US" b="1" dirty="0" smtClean="0">
                 <a:sym typeface="+mn-ea"/>
               </a:rPr>
-              <a:t>automatically shown shortest path to nearest free space available </a:t>
+              <a:t>automatically shown shortest path to nearest free space available , </a:t>
             </a:r>
             <a:r>
               <a:rPr lang="en-IN" altLang="en-US" dirty="0" smtClean="0">
                 <a:sym typeface="+mn-ea"/>
               </a:rPr>
-              <a:t>once he clicks on map, he also has the option to choose any </a:t>
+              <a:t>once he clicks on map he also has the option to choose any </a:t>
             </a:r>
             <a:r>
               <a:rPr lang="en-IN" altLang="en-US" dirty="0" smtClean="0"/>
-              <a:t>free space available on the map</a:t>
+              <a:t>free space available on the map .</a:t>
             </a:r>
             <a:endParaRPr lang="en-IN" altLang="en-US" dirty="0" smtClean="0"/>
           </a:p>
@@ -4763,7 +4770,6 @@
             </a:pPr>
             <a:r>
               <a:rPr lang="en-IN" altLang="en-US" b="1" dirty="0" smtClean="0">
-                <a:ln/>
                 <a:solidFill>
                   <a:schemeClr val="tx1"/>
                 </a:solidFill>
@@ -4892,7 +4898,6 @@
             </a:pPr>
             <a:r>
               <a:rPr lang="en-IN" altLang="en-US" b="1" dirty="0" smtClean="0">
-                <a:ln/>
                 <a:solidFill>
                   <a:schemeClr val="tx1"/>
                 </a:solidFill>
@@ -4957,7 +4962,7 @@
               <a:rPr lang="en-IN" altLang="en-US" dirty="0" smtClean="0">
                 <a:sym typeface="+mn-ea"/>
               </a:rPr>
-              <a:t> spot</a:t>
+              <a:t> spot .</a:t>
             </a:r>
             <a:endParaRPr lang="en-IN" altLang="en-US" dirty="0" smtClean="0">
               <a:sym typeface="+mn-ea"/>
@@ -4978,7 +4983,13 @@
               <a:rPr lang="en-US" dirty="0">
                 <a:sym typeface="+mn-ea"/>
               </a:rPr>
-              <a:t>. (For the time, the parking slot was used)</a:t>
+              <a:t>. (For the time, the parking slot was used) </a:t>
+            </a:r>
+            <a:r>
+              <a:rPr lang="en-IN" altLang="en-US" dirty="0">
+                <a:sym typeface="+mn-ea"/>
+              </a:rPr>
+              <a:t>.</a:t>
             </a:r>
             <a:endParaRPr lang="en-US" dirty="0">
               <a:sym typeface="+mn-ea"/>
@@ -4999,7 +5010,19 @@
               <a:rPr lang="en-US" dirty="0">
                 <a:sym typeface="+mn-ea"/>
               </a:rPr>
-              <a:t> (Automatically money deducted).</a:t>
+              <a:t> (Automatically </a:t>
+            </a:r>
+            <a:r>
+              <a:rPr lang="en-IN" altLang="en-US" dirty="0">
+                <a:sym typeface="+mn-ea"/>
+              </a:rPr>
+              <a:t>montly </a:t>
+            </a:r>
+            <a:r>
+              <a:rPr lang="en-US" dirty="0">
+                <a:sym typeface="+mn-ea"/>
+              </a:rPr>
+              <a:t>money deducted).</a:t>
             </a:r>
             <a:endParaRPr lang="en-US" dirty="0">
               <a:sym typeface="+mn-ea"/>
@@ -5156,7 +5179,6 @@
             <a:pPr algn="ctr"/>
             <a:r>
               <a:rPr lang="en-IN" altLang="en-US" sz="2000" b="1" i="1" u="sng">
-                <a:ln/>
                 <a:gradFill>
                   <a:gsLst>
                     <a:gs pos="0">
@@ -5183,7 +5205,6 @@
               <a:t>Data Processing</a:t>
             </a:r>
             <a:endParaRPr lang="en-IN" altLang="en-US" sz="2000" b="1" i="1" u="sng">
-              <a:ln/>
               <a:gradFill>
                 <a:gsLst>
                   <a:gs pos="0">
@@ -5234,7 +5255,6 @@
             <a:pPr algn="ctr"/>
             <a:r>
               <a:rPr lang="en-IN" altLang="en-US" sz="2000" b="1" i="1" u="sng">
-                <a:ln/>
                 <a:gradFill>
                   <a:gsLst>
                     <a:gs pos="0">
@@ -5261,7 +5281,6 @@
               <a:t>Data Visualization</a:t>
             </a:r>
             <a:endParaRPr lang="en-IN" altLang="en-US" sz="2000" b="1" i="1" u="sng">
-              <a:ln/>
               <a:gradFill>
                 <a:gsLst>
                   <a:gs pos="0">
@@ -5338,7 +5357,6 @@
             <a:pPr algn="ctr"/>
             <a:r>
               <a:rPr lang="en-IN" sz="2400" b="1" i="1" u="sng" dirty="0">
-                <a:ln/>
                 <a:gradFill>
                   <a:gsLst>
                     <a:gs pos="0">
@@ -5402,11 +5420,30 @@
             </a:pPr>
             <a:r>
               <a:rPr lang="en-IN" b="1" dirty="0">
+                <a:ln/>
+                <a:solidFill>
+                  <a:schemeClr val="tx1"/>
+                </a:solidFill>
+                <a:effectLst>
+                  <a:outerShdw blurRad="38100" dist="19050" dir="2700000" algn="tl" rotWithShape="0">
+                    <a:schemeClr val="dk1">
+                      <a:alpha val="40000"/>
+                    </a:schemeClr>
+                  </a:outerShdw>
+                </a:effectLst>
                 <a:latin typeface="Calibri" panose="020F0502020204030204" pitchFamily="34" charset="0"/>
                 <a:cs typeface="Calibri" panose="020F0502020204030204" pitchFamily="34" charset="0"/>
                 <a:sym typeface="+mn-ea"/>
               </a:rPr>
-              <a:t>Modern Technology </a:t>
+              <a:t>Modern Technology</a:t>
+            </a:r>
+            <a:r>
+              <a:rPr lang="en-IN" b="1" dirty="0">
+                <a:latin typeface="Calibri" panose="020F0502020204030204" pitchFamily="34" charset="0"/>
+                <a:cs typeface="Calibri" panose="020F0502020204030204" pitchFamily="34" charset="0"/>
+                <a:sym typeface="+mn-ea"/>
+              </a:rPr>
+              <a:t> </a:t>
             </a:r>
             <a:r>
               <a:rPr lang="en-IN" dirty="0">
@@ -5414,7 +5451,7 @@
                 <a:cs typeface="Calibri" panose="020F0502020204030204" pitchFamily="34" charset="0"/>
                 <a:sym typeface="+mn-ea"/>
               </a:rPr>
-              <a:t>:-  Machine learning and Deep learning, 		            Cloud Computing, Visualization</a:t>
+              <a:t>:-  Machine learning and Deep learning, 		            Visualization .</a:t>
             </a:r>
             <a:endParaRPr lang="en-IN" dirty="0"/>
           </a:p>
@@ -5427,12 +5464,28 @@
               <a:buChar char="•"/>
             </a:pPr>
             <a:r>
+              <a:rPr lang="en-IN" b="1" dirty="0">
+                <a:ln/>
+                <a:solidFill>
+                  <a:schemeClr val="tx1"/>
+                </a:solidFill>
+                <a:effectLst>
+                  <a:outerShdw blurRad="38100" dist="19050" dir="2700000" algn="tl" rotWithShape="0">
+                    <a:schemeClr val="dk1">
+                      <a:alpha val="40000"/>
+                    </a:schemeClr>
+                  </a:outerShdw>
+                </a:effectLst>
+              </a:rPr>
+              <a:t>Mobile Development</a:t>
+            </a:r>
+            <a:r>
               <a:rPr lang="en-IN" b="1" dirty="0"/>
-              <a:t>Mobile Development </a:t>
+              <a:t> </a:t>
             </a:r>
             <a:r>
               <a:rPr lang="en-IN" dirty="0"/>
-              <a:t>:-Android Studio, Android SDK</a:t>
+              <a:t>:-Android Studio, Android SDK .</a:t>
             </a:r>
             <a:endParaRPr lang="en-IN" dirty="0"/>
           </a:p>
@@ -5446,6 +5499,17 @@
             </a:pPr>
             <a:r>
               <a:rPr lang="en-IN" b="1" dirty="0">
+                <a:ln/>
+                <a:solidFill>
+                  <a:schemeClr val="tx1"/>
+                </a:solidFill>
+                <a:effectLst>
+                  <a:outerShdw blurRad="38100" dist="19050" dir="2700000" algn="tl" rotWithShape="0">
+                    <a:schemeClr val="dk1">
+                      <a:alpha val="40000"/>
+                    </a:schemeClr>
+                  </a:outerShdw>
+                </a:effectLst>
                 <a:latin typeface="Calibri" panose="020F0502020204030204" pitchFamily="34" charset="0"/>
                 <a:cs typeface="Calibri" panose="020F0502020204030204" pitchFamily="34" charset="0"/>
               </a:rPr>
@@ -5571,7 +5635,6 @@
             <a:pPr algn="ctr"/>
             <a:r>
               <a:rPr lang="en-US" sz="2400" b="1" i="1" u="sng" dirty="0">
-                <a:ln/>
                 <a:gradFill>
                   <a:gsLst>
                     <a:gs pos="0">
@@ -5630,7 +5693,7 @@
               <a:rPr lang="en-IN" b="1" dirty="0">
                 <a:sym typeface="+mn-ea"/>
               </a:rPr>
-              <a:t>Android version Jellybean and higher</a:t>
+              <a:t>Android version Jellybean and higher .</a:t>
             </a:r>
             <a:endParaRPr lang="en-IN" b="1" dirty="0">
               <a:sym typeface="+mn-ea"/>
@@ -5645,7 +5708,7 @@
               <a:rPr lang="en-IN" b="1" dirty="0">
                 <a:sym typeface="+mn-ea"/>
               </a:rPr>
-              <a:t>Hardware components and their installation and power supply</a:t>
+              <a:t>Hardware components and their installation and power supply .</a:t>
             </a:r>
             <a:endParaRPr lang="en-US" dirty="0"/>
           </a:p>
@@ -5704,7 +5767,6 @@
             <a:pPr algn="ctr"/>
             <a:r>
               <a:rPr lang="en-IN" altLang="en-US" sz="2500" b="1" i="1" u="sng">
-                <a:ln/>
                 <a:gradFill>
                   <a:gsLst>
                     <a:gs pos="0">
@@ -5731,7 +5793,6 @@
               <a:t>Use Case</a:t>
             </a:r>
             <a:endParaRPr lang="en-IN" altLang="en-US" sz="2500" b="1" i="1" u="sng">
-              <a:ln/>
               <a:gradFill>
                 <a:gsLst>
                   <a:gs pos="0">
@@ -5805,7 +5866,7 @@
             <a:avLst/>
           </a:prstGeom>
           <a:solidFill>
-            <a:srgbClr val="AAAFEE"/>
+            <a:srgbClr val="99CCFF"/>
           </a:solidFill>
         </p:spPr>
         <p:style>
@@ -5862,7 +5923,7 @@
                   <a:schemeClr val="tx1"/>
                 </a:solidFill>
               </a:rPr>
-              <a:t>and according to his queue number</a:t>
+              <a:t>and according to his queue number .</a:t>
             </a:r>
             <a:endParaRPr lang="en-IN" altLang="en-US" dirty="0">
               <a:solidFill>
@@ -5887,7 +5948,7 @@
             <a:avLst/>
           </a:prstGeom>
           <a:solidFill>
-            <a:srgbClr val="AAAFEE"/>
+            <a:srgbClr val="99CCFF"/>
           </a:solidFill>
         </p:spPr>
         <p:style>
@@ -5948,7 +6009,15 @@
                   <a:schemeClr val="tx1"/>
                 </a:solidFill>
               </a:rPr>
-              <a:t>Red-Occupied.</a:t>
+              <a:t>Red-Occupied</a:t>
+            </a:r>
+            <a:r>
+              <a:rPr lang="en-IN" altLang="en-US" dirty="0">
+                <a:solidFill>
+                  <a:schemeClr val="tx1"/>
+                </a:solidFill>
+              </a:rPr>
+              <a:t>,</a:t>
             </a:r>
             <a:endParaRPr lang="en-US" dirty="0">
               <a:solidFill>
@@ -5966,7 +6035,15 @@
               </a:rPr>
               <a:t>Green-Vacant</a:t>
             </a:r>
-            <a:endParaRPr lang="en-US" dirty="0">
+            <a:r>
+              <a:rPr lang="en-IN" altLang="en-US" dirty="0">
+                <a:solidFill>
+                  <a:schemeClr val="tx1"/>
+                </a:solidFill>
+              </a:rPr>
+              <a:t>.</a:t>
+            </a:r>
+            <a:endParaRPr lang="en-IN" altLang="en-US" dirty="0">
               <a:solidFill>
                 <a:schemeClr val="tx1"/>
               </a:solidFill>
@@ -5989,7 +6066,7 @@
             <a:avLst/>
           </a:prstGeom>
           <a:solidFill>
-            <a:srgbClr val="E46A81"/>
+            <a:srgbClr val="92D050"/>
           </a:solidFill>
         </p:spPr>
         <p:style>
@@ -6034,9 +6111,17 @@
                   <a:schemeClr val="tx1"/>
                 </a:solidFill>
               </a:rPr>
-              <a:t>When no vehicles in motion are detected(using radar sensor), the lights will dim which saves energy</a:t>
-            </a:r>
-            <a:endParaRPr lang="en-US" dirty="0">
+              <a:t>When no vehicles in motion are detected(using radar sensor), the lights will dim which saves energy </a:t>
+            </a:r>
+            <a:r>
+              <a:rPr lang="en-IN" altLang="en-US" dirty="0">
+                <a:solidFill>
+                  <a:schemeClr val="tx1"/>
+                </a:solidFill>
+              </a:rPr>
+              <a:t>.</a:t>
+            </a:r>
+            <a:endParaRPr lang="en-IN" altLang="en-US" dirty="0">
               <a:solidFill>
                 <a:schemeClr val="tx1"/>
               </a:solidFill>
@@ -6059,7 +6144,7 @@
             <a:avLst/>
           </a:prstGeom>
           <a:solidFill>
-            <a:srgbClr val="E46A81"/>
+            <a:srgbClr val="92D050"/>
           </a:solidFill>
         </p:spPr>
         <p:style>
@@ -6108,9 +6193,17 @@
                   <a:schemeClr val="tx1"/>
                 </a:solidFill>
               </a:rPr>
-              <a:t>Every type of vehicle will have its own parking area. Electric cars will have slots with the charging segment</a:t>
-            </a:r>
-            <a:endParaRPr lang="en-US" dirty="0">
+              <a:t>Every type of vehicle will have its own parking area. Electric cars will have slots with the charging segment </a:t>
+            </a:r>
+            <a:r>
+              <a:rPr lang="en-IN" altLang="en-US" dirty="0">
+                <a:solidFill>
+                  <a:schemeClr val="tx1"/>
+                </a:solidFill>
+              </a:rPr>
+              <a:t>.</a:t>
+            </a:r>
+            <a:endParaRPr lang="en-IN" altLang="en-US" dirty="0">
               <a:solidFill>
                 <a:schemeClr val="tx1"/>
               </a:solidFill>
@@ -6133,7 +6226,7 @@
             <a:avLst/>
           </a:prstGeom>
           <a:solidFill>
-            <a:srgbClr val="AAAFEE"/>
+            <a:srgbClr val="99CCFF"/>
           </a:solidFill>
         </p:spPr>
         <p:style>
@@ -6182,9 +6275,17 @@
                   <a:schemeClr val="tx1"/>
                 </a:solidFill>
               </a:rPr>
-              <a:t>The user can locate his vehicle by entering the number plate details in the app and they will be provided by the shortest path</a:t>
-            </a:r>
-            <a:endParaRPr lang="en-US" dirty="0">
+              <a:t>The user can locate his vehicle by entering the number plate details in the app and they will be provided by the shortest path </a:t>
+            </a:r>
+            <a:r>
+              <a:rPr lang="en-IN" altLang="en-US" dirty="0">
+                <a:solidFill>
+                  <a:schemeClr val="tx1"/>
+                </a:solidFill>
+              </a:rPr>
+              <a:t>.</a:t>
+            </a:r>
+            <a:endParaRPr lang="en-IN" altLang="en-US" dirty="0">
               <a:solidFill>
                 <a:schemeClr val="tx1"/>
               </a:solidFill>

--- a/Documents/Presentations/S-Park.pptx
+++ b/Documents/Presentations/S-Park.pptx
@@ -3316,7 +3316,6 @@
             </a:pPr>
             <a:r>
               <a:rPr lang="en-IN" sz="3000" b="1" i="1" u="sng" dirty="0">
-                <a:ln/>
                 <a:solidFill>
                   <a:schemeClr val="tx1"/>
                 </a:solidFill>
@@ -3651,7 +3650,6 @@
             </a:pPr>
             <a:r>
               <a:rPr lang="en-IN" sz="2000" b="1" i="1" u="sng" dirty="0">
-                <a:ln/>
                 <a:gradFill>
                   <a:gsLst>
                     <a:gs pos="0">
@@ -4568,8 +4566,8 @@
         </p:nvSpPr>
         <p:spPr>
           <a:xfrm>
-            <a:off x="593725" y="99060"/>
-            <a:ext cx="6568440" cy="6739255"/>
+            <a:off x="-39370" y="99060"/>
+            <a:ext cx="7531100" cy="6739255"/>
           </a:xfrm>
           <a:prstGeom prst="rect">
             <a:avLst/>
@@ -4761,6 +4759,41 @@
               <a:buFont typeface="Wingdings" panose="05000000000000000000" pitchFamily="2" charset="2"/>
               <a:buChar char="q"/>
             </a:pPr>
+            <a:r>
+              <a:rPr lang="en-IN" altLang="en-US" dirty="0" smtClean="0"/>
+              <a:t>The </a:t>
+            </a:r>
+            <a:r>
+              <a:rPr lang="en-IN" altLang="en-US" b="1" dirty="0" smtClean="0"/>
+              <a:t>Parking slot</a:t>
+            </a:r>
+            <a:r>
+              <a:rPr lang="en-IN" altLang="en-US" dirty="0" smtClean="0"/>
+              <a:t> number and the car has </a:t>
+            </a:r>
+            <a:r>
+              <a:rPr lang="en-IN" altLang="en-US" b="1" dirty="0" smtClean="0"/>
+              <a:t>left the parking slot</a:t>
+            </a:r>
+            <a:r>
+              <a:rPr lang="en-IN" altLang="en-US" dirty="0" smtClean="0"/>
+              <a:t> details will also be </a:t>
+            </a:r>
+            <a:r>
+              <a:rPr lang="en-IN" altLang="en-US" b="1" dirty="0" smtClean="0"/>
+              <a:t>notified </a:t>
+            </a:r>
+            <a:r>
+              <a:rPr lang="en-IN" altLang="en-US" dirty="0" smtClean="0"/>
+              <a:t>to the user.</a:t>
+            </a:r>
+            <a:endParaRPr lang="en-IN" altLang="en-US" dirty="0" smtClean="0"/>
+          </a:p>
+          <a:p>
+            <a:pPr marL="285750" indent="-285750">
+              <a:buFont typeface="Wingdings" panose="05000000000000000000" pitchFamily="2" charset="2"/>
+              <a:buChar char="q"/>
+            </a:pPr>
             <a:endParaRPr lang="en-IN" altLang="en-US" dirty="0" smtClean="0"/>
           </a:p>
           <a:p>
@@ -4783,7 +4816,18 @@
               </a:rPr>
               <a:t>Additional Features</a:t>
             </a:r>
-            <a:endParaRPr lang="en-IN" altLang="en-US" b="1" dirty="0" smtClean="0"/>
+            <a:endParaRPr lang="en-IN" altLang="en-US" b="1" dirty="0" smtClean="0">
+              <a:solidFill>
+                <a:schemeClr val="tx1"/>
+              </a:solidFill>
+              <a:effectLst>
+                <a:outerShdw blurRad="38100" dist="19050" dir="2700000" algn="tl" rotWithShape="0">
+                  <a:schemeClr val="dk1">
+                    <a:alpha val="40000"/>
+                  </a:schemeClr>
+                </a:outerShdw>
+              </a:effectLst>
+            </a:endParaRPr>
           </a:p>
           <a:p>
             <a:pPr indent="0" algn="ctr">
@@ -4912,31 +4956,6 @@
               </a:rPr>
               <a:t>Register User Benefits</a:t>
             </a:r>
-            <a:endParaRPr lang="en-IN" altLang="en-US" b="1" dirty="0" smtClean="0">
-              <a:ln w="9525">
-                <a:solidFill>
-                  <a:schemeClr val="bg1"/>
-                </a:solidFill>
-                <a:prstDash val="solid"/>
-              </a:ln>
-              <a:solidFill>
-                <a:schemeClr val="tx1"/>
-              </a:solidFill>
-              <a:effectLst>
-                <a:outerShdw blurRad="12700" dist="38100" dir="2700000" algn="tl" rotWithShape="0">
-                  <a:schemeClr val="bg1">
-                    <a:lumMod val="50000"/>
-                  </a:schemeClr>
-                </a:outerShdw>
-              </a:effectLst>
-              <a:sym typeface="+mn-ea"/>
-            </a:endParaRPr>
-          </a:p>
-          <a:p>
-            <a:pPr indent="0" algn="ctr">
-              <a:buFont typeface="Wingdings" panose="05000000000000000000" pitchFamily="2" charset="2"/>
-              <a:buNone/>
-            </a:pPr>
             <a:endParaRPr lang="en-IN" altLang="en-US" b="1" dirty="0" smtClean="0">
               <a:sym typeface="+mn-ea"/>
             </a:endParaRPr>
@@ -5420,7 +5439,6 @@
             </a:pPr>
             <a:r>
               <a:rPr lang="en-IN" b="1" dirty="0">
-                <a:ln/>
                 <a:solidFill>
                   <a:schemeClr val="tx1"/>
                 </a:solidFill>
@@ -5465,7 +5483,6 @@
             </a:pPr>
             <a:r>
               <a:rPr lang="en-IN" b="1" dirty="0">
-                <a:ln/>
                 <a:solidFill>
                   <a:schemeClr val="tx1"/>
                 </a:solidFill>
@@ -5499,7 +5516,6 @@
             </a:pPr>
             <a:r>
               <a:rPr lang="en-IN" b="1" dirty="0">
-                <a:ln/>
                 <a:solidFill>
                   <a:schemeClr val="tx1"/>
                 </a:solidFill>

--- a/Documents/Presentations/S-Park.pptx
+++ b/Documents/Presentations/S-Park.pptx
@@ -3423,19 +3423,7 @@
               <a:rPr lang="en-IN" sz="2000" dirty="0">
                 <a:sym typeface="+mn-ea"/>
               </a:rPr>
-              <a:t>available  </a:t>
-            </a:r>
-            <a:r>
-              <a:rPr lang="en-IN" sz="2000" dirty="0">
-                <a:sym typeface="+mn-ea"/>
-              </a:rPr>
-              <a:t>on the Campus / City / Resident Societies .</a:t>
-            </a:r>
-            <a:r>
-              <a:rPr lang="en-IN" sz="2000" dirty="0">
-                <a:sym typeface="+mn-ea"/>
-              </a:rPr>
-              <a:t>                </a:t>
+              <a:t>available  on the Campus / City / Resident Societies .                </a:t>
             </a:r>
             <a:endParaRPr lang="en-IN" sz="2000" dirty="0">
               <a:sym typeface="+mn-ea"/>
@@ -4339,7 +4327,7 @@
         <p:nvPicPr>
           <p:cNvPr id="10" name="Content Placeholder 9" descr="D:\IT\Hackathon\S-Park\Documents\Images\FlowChart.pngFlowChart"/>
           <p:cNvPicPr>
-            <a:picLocks noChangeAspect="1"/>
+            <a:picLocks noGrp="1" noChangeAspect="1"/>
           </p:cNvPicPr>
           <p:nvPr>
             <p:ph sz="half" idx="1"/>
@@ -4366,7 +4354,7 @@
         <p:nvPicPr>
           <p:cNvPr id="2" name="Content Placeholder 1" descr="SystemFlow"/>
           <p:cNvPicPr>
-            <a:picLocks noChangeAspect="1"/>
+            <a:picLocks noGrp="1" noChangeAspect="1"/>
           </p:cNvPicPr>
           <p:nvPr>
             <p:ph sz="half" idx="2"/>
@@ -4408,6 +4396,7 @@
           <a:bodyPr wrap="square" rtlCol="0">
             <a:spAutoFit/>
           </a:bodyPr>
+          <a:lstStyle/>
           <a:p>
             <a:pPr algn="ctr"/>
             <a:r>
@@ -4484,6 +4473,7 @@
           <a:bodyPr wrap="square" rtlCol="0">
             <a:spAutoFit/>
           </a:bodyPr>
+          <a:lstStyle/>
           <a:p>
             <a:pPr algn="ctr"/>
             <a:r>
@@ -4557,7 +4547,14 @@
         <p:cNvGrpSpPr/>
         <p:nvPr/>
       </p:nvGrpSpPr>
-      <p:grpSpPr/>
+      <p:grpSpPr>
+        <a:xfrm>
+          <a:off x="0" y="0"/>
+          <a:ext cx="0" cy="0"/>
+          <a:chOff x="0" y="0"/>
+          <a:chExt cx="0" cy="0"/>
+        </a:xfrm>
+      </p:grpSpPr>
       <p:sp>
         <p:nvSpPr>
           <p:cNvPr id="6" name="Text Box 5"/>
@@ -4578,6 +4575,7 @@
           <a:bodyPr wrap="square" rtlCol="0">
             <a:spAutoFit/>
           </a:bodyPr>
+          <a:lstStyle/>
           <a:p>
             <a:pPr algn="ctr"/>
             <a:r>
@@ -4761,33 +4759,13 @@
             </a:pPr>
             <a:r>
               <a:rPr lang="en-IN" altLang="en-US" dirty="0" smtClean="0"/>
-              <a:t>The </a:t>
-            </a:r>
-            <a:r>
-              <a:rPr lang="en-IN" altLang="en-US" b="1" dirty="0" smtClean="0"/>
-              <a:t>Parking slot</a:t>
-            </a:r>
-            <a:r>
-              <a:rPr lang="en-IN" altLang="en-US" dirty="0" smtClean="0"/>
-              <a:t> number and the car has </a:t>
-            </a:r>
-            <a:r>
-              <a:rPr lang="en-IN" altLang="en-US" b="1" dirty="0" smtClean="0"/>
-              <a:t>left the parking slot</a:t>
-            </a:r>
-            <a:r>
-              <a:rPr lang="en-IN" altLang="en-US" dirty="0" smtClean="0"/>
-              <a:t> details will also be </a:t>
-            </a:r>
-            <a:r>
-              <a:rPr lang="en-IN" altLang="en-US" b="1" dirty="0" smtClean="0"/>
-              <a:t>notified </a:t>
-            </a:r>
-            <a:r>
-              <a:rPr lang="en-IN" altLang="en-US" dirty="0" smtClean="0"/>
-              <a:t>to the user.</a:t>
-            </a:r>
-            <a:endParaRPr lang="en-IN" altLang="en-US" dirty="0" smtClean="0"/>
+              <a:t>When the user pulls out his vehicle for exiting, he will be notified on his app and this helps in preventing malpractices </a:t>
+            </a:r>
+            <a:r>
+              <a:rPr lang="en-IN" altLang="en-US" smtClean="0"/>
+              <a:t>(stealing).</a:t>
+            </a:r>
+            <a:endParaRPr lang="en-IN" altLang="en-US" smtClean="0"/>
           </a:p>
           <a:p>
             <a:pPr marL="285750" indent="-285750">
@@ -5125,7 +5103,7 @@
         <p:nvPicPr>
           <p:cNvPr id="7" name="Content Placeholder 6" descr="car-detect og"/>
           <p:cNvPicPr>
-            <a:picLocks noChangeAspect="1"/>
+            <a:picLocks noGrp="1" noChangeAspect="1"/>
           </p:cNvPicPr>
           <p:nvPr>
             <p:ph sz="half" idx="1"/>
@@ -5151,7 +5129,7 @@
         <p:nvPicPr>
           <p:cNvPr id="9" name="Content Placeholder 8" descr="D:\IT\Hackathon\S-Park\Documents\Locater Map.jpgLocater Map"/>
           <p:cNvPicPr>
-            <a:picLocks noChangeAspect="1"/>
+            <a:picLocks noGrp="1" noChangeAspect="1"/>
           </p:cNvPicPr>
           <p:nvPr>
             <p:ph sz="half" idx="2"/>
@@ -5194,6 +5172,7 @@
           <a:bodyPr wrap="square" rtlCol="0">
             <a:spAutoFit/>
           </a:bodyPr>
+          <a:lstStyle/>
           <a:p>
             <a:pPr algn="ctr"/>
             <a:r>
@@ -5270,6 +5249,7 @@
           <a:bodyPr wrap="square" rtlCol="0">
             <a:spAutoFit/>
           </a:bodyPr>
+          <a:lstStyle/>
           <a:p>
             <a:pPr algn="ctr"/>
             <a:r>
@@ -5737,7 +5717,7 @@
         <p:nvPicPr>
           <p:cNvPr id="15" name="Content Placeholder 14" descr="UseCase"/>
           <p:cNvPicPr>
-            <a:picLocks noChangeAspect="1"/>
+            <a:picLocks noGrp="1" noChangeAspect="1"/>
           </p:cNvPicPr>
           <p:nvPr>
             <p:ph idx="1"/>
@@ -5779,6 +5759,7 @@
           <a:bodyPr wrap="square" rtlCol="0">
             <a:spAutoFit/>
           </a:bodyPr>
+          <a:lstStyle/>
           <a:p>
             <a:pPr algn="ctr"/>
             <a:r>
@@ -5903,6 +5884,7 @@
         </p:style>
         <p:txBody>
           <a:bodyPr rtlCol="0" anchor="ctr"/>
+          <a:lstStyle/>
           <a:p>
             <a:pPr algn="ctr"/>
             <a:r>
@@ -5985,6 +5967,7 @@
         </p:style>
         <p:txBody>
           <a:bodyPr rtlCol="0" anchor="ctr"/>
+          <a:lstStyle/>
           <a:p>
             <a:pPr algn="ctr"/>
             <a:r>
@@ -6103,6 +6086,7 @@
         </p:style>
         <p:txBody>
           <a:bodyPr rtlCol="0" anchor="ctr"/>
+          <a:lstStyle/>
           <a:p>
             <a:pPr algn="ctr"/>
             <a:r>
@@ -6181,6 +6165,7 @@
         </p:style>
         <p:txBody>
           <a:bodyPr rtlCol="0" anchor="ctr"/>
+          <a:lstStyle/>
           <a:p>
             <a:pPr algn="ctr"/>
             <a:r>
@@ -6263,6 +6248,7 @@
         </p:style>
         <p:txBody>
           <a:bodyPr rtlCol="0" anchor="ctr"/>
+          <a:lstStyle/>
           <a:p>
             <a:pPr algn="ctr"/>
             <a:r>
@@ -6345,6 +6331,7 @@
         </p:style>
         <p:txBody>
           <a:bodyPr rtlCol="0" anchor="ctr"/>
+          <a:lstStyle/>
           <a:p>
             <a:pPr algn="ctr"/>
             <a:r>

--- a/Documents/Presentations/S-Park.pptx
+++ b/Documents/Presentations/S-Park.pptx
@@ -4748,9 +4748,13 @@
             </a:r>
             <a:r>
               <a:rPr lang="en-IN" altLang="en-US" dirty="0" smtClean="0"/>
-              <a:t>free space available on the map .</a:t>
-            </a:r>
-            <a:endParaRPr lang="en-IN" altLang="en-US" dirty="0" smtClean="0"/>
+              <a:t>free space available on the map and when </a:t>
+            </a:r>
+            <a:r>
+              <a:rPr lang="en-IN" altLang="en-US" b="1" dirty="0" smtClean="0"/>
+              <a:t>he parks the slot number is made visible to him on the app.</a:t>
+            </a:r>
+            <a:endParaRPr lang="en-IN" altLang="en-US" b="1" dirty="0" smtClean="0"/>
           </a:p>
           <a:p>
             <a:pPr marL="285750" indent="-285750">
@@ -4759,7 +4763,23 @@
             </a:pPr>
             <a:r>
               <a:rPr lang="en-IN" altLang="en-US" dirty="0" smtClean="0"/>
-              <a:t>When the user pulls out his vehicle for exiting, he will be notified on his app and this helps in preventing malpractices </a:t>
+              <a:t>When the user pulls out his vehicle for </a:t>
+            </a:r>
+            <a:r>
+              <a:rPr lang="en-IN" altLang="en-US" b="1" dirty="0" smtClean="0"/>
+              <a:t>exiting</a:t>
+            </a:r>
+            <a:r>
+              <a:rPr lang="en-IN" altLang="en-US" dirty="0" smtClean="0"/>
+              <a:t>, he will be </a:t>
+            </a:r>
+            <a:r>
+              <a:rPr lang="en-IN" altLang="en-US" b="1" dirty="0" smtClean="0"/>
+              <a:t>notified </a:t>
+            </a:r>
+            <a:r>
+              <a:rPr lang="en-IN" altLang="en-US" dirty="0" smtClean="0"/>
+              <a:t>on his app and this helps in preventing malpractices </a:t>
             </a:r>
             <a:r>
               <a:rPr lang="en-IN" altLang="en-US" smtClean="0"/>
@@ -4794,24 +4814,6 @@
               </a:rPr>
               <a:t>Additional Features</a:t>
             </a:r>
-            <a:endParaRPr lang="en-IN" altLang="en-US" b="1" dirty="0" smtClean="0">
-              <a:solidFill>
-                <a:schemeClr val="tx1"/>
-              </a:solidFill>
-              <a:effectLst>
-                <a:outerShdw blurRad="38100" dist="19050" dir="2700000" algn="tl" rotWithShape="0">
-                  <a:schemeClr val="dk1">
-                    <a:alpha val="40000"/>
-                  </a:schemeClr>
-                </a:outerShdw>
-              </a:effectLst>
-            </a:endParaRPr>
-          </a:p>
-          <a:p>
-            <a:pPr indent="0" algn="ctr">
-              <a:buFont typeface="Wingdings" panose="05000000000000000000" pitchFamily="2" charset="2"/>
-              <a:buNone/>
-            </a:pPr>
             <a:endParaRPr lang="en-IN" altLang="en-US" b="1" dirty="0" smtClean="0"/>
           </a:p>
           <a:p>
